--- a/2022/IntroPython_TipsForSuccess.pptx
+++ b/2022/IntroPython_TipsForSuccess.pptx
@@ -241,7 +241,7 @@
           <a:p>
             <a:fld id="{A5E0BFC4-8313-4166-9F8C-AEF6252D3F15}" type="datetimeFigureOut">
               <a:rPr lang="en-US" smtClean="0"/>
-              <a:t>2/18/2020</a:t>
+              <a:t>2/9/2022</a:t>
             </a:fld>
             <a:endParaRPr lang="en-US"/>
           </a:p>
@@ -875,7 +875,7 @@
           <a:p>
             <a:fld id="{697E48F7-EB74-4477-B245-F8CECF7C0C00}" type="datetimeFigureOut">
               <a:rPr lang="en-US" smtClean="0"/>
-              <a:t>2/18/2020</a:t>
+              <a:t>2/9/2022</a:t>
             </a:fld>
             <a:endParaRPr lang="en-US"/>
           </a:p>
@@ -994,7 +994,7 @@
   <p:clrMapOvr>
     <a:overrideClrMapping bg1="dk1" tx1="lt1" bg2="dk2" tx2="lt2" accent1="accent1" accent2="accent2" accent3="accent3" accent4="accent4" accent5="accent5" accent6="accent6" hlink="hlink" folHlink="folHlink"/>
   </p:clrMapOvr>
-  <p:extLst mod="1">
+  <p:extLst>
     <p:ext uri="{DCECCB84-F9BA-43D5-87BE-67443E8EF086}">
       <p15:sldGuideLst xmlns:p15="http://schemas.microsoft.com/office/powerpoint/2012/main">
         <p15:guide id="1" orient="horz" pos="792">
@@ -1122,7 +1122,7 @@
           <a:p>
             <a:fld id="{697E48F7-EB74-4477-B245-F8CECF7C0C00}" type="datetimeFigureOut">
               <a:rPr lang="en-US" smtClean="0"/>
-              <a:t>2/18/2020</a:t>
+              <a:t>2/9/2022</a:t>
             </a:fld>
             <a:endParaRPr lang="en-US"/>
           </a:p>
@@ -1508,7 +1508,7 @@
           <a:p>
             <a:fld id="{697E48F7-EB74-4477-B245-F8CECF7C0C00}" type="datetimeFigureOut">
               <a:rPr lang="en-US" smtClean="0"/>
-              <a:t>2/18/2020</a:t>
+              <a:t>2/9/2022</a:t>
             </a:fld>
             <a:endParaRPr lang="en-US"/>
           </a:p>
@@ -1614,7 +1614,7 @@
   <p:clrMapOvr>
     <a:masterClrMapping/>
   </p:clrMapOvr>
-  <p:extLst mod="1">
+  <p:extLst>
     <p:ext uri="{DCECCB84-F9BA-43D5-87BE-67443E8EF086}">
       <p15:sldGuideLst xmlns:p15="http://schemas.microsoft.com/office/powerpoint/2012/main">
         <p15:guide id="1" pos="6456">
@@ -1737,7 +1737,7 @@
           <a:p>
             <a:fld id="{697E48F7-EB74-4477-B245-F8CECF7C0C00}" type="datetimeFigureOut">
               <a:rPr lang="en-US" smtClean="0"/>
-              <a:t>2/18/2020</a:t>
+              <a:t>2/9/2022</a:t>
             </a:fld>
             <a:endParaRPr lang="en-US"/>
           </a:p>
@@ -2228,7 +2228,7 @@
           <a:p>
             <a:fld id="{697E48F7-EB74-4477-B245-F8CECF7C0C00}" type="datetimeFigureOut">
               <a:rPr lang="en-US" smtClean="0"/>
-              <a:t>2/18/2020</a:t>
+              <a:t>2/9/2022</a:t>
             </a:fld>
             <a:endParaRPr lang="en-US"/>
           </a:p>
@@ -2353,7 +2353,7 @@
   <p:clrMapOvr>
     <a:masterClrMapping/>
   </p:clrMapOvr>
-  <p:extLst mod="1">
+  <p:extLst>
     <p:ext uri="{DCECCB84-F9BA-43D5-87BE-67443E8EF086}">
       <p15:sldGuideLst xmlns:p15="http://schemas.microsoft.com/office/powerpoint/2012/main">
         <p15:guide id="1" pos="6456">
@@ -2538,7 +2538,7 @@
           <a:p>
             <a:fld id="{697E48F7-EB74-4477-B245-F8CECF7C0C00}" type="datetimeFigureOut">
               <a:rPr lang="en-US" smtClean="0"/>
-              <a:t>2/18/2020</a:t>
+              <a:t>2/9/2022</a:t>
             </a:fld>
             <a:endParaRPr lang="en-US"/>
           </a:p>
@@ -2929,7 +2929,7 @@
           <a:p>
             <a:fld id="{697E48F7-EB74-4477-B245-F8CECF7C0C00}" type="datetimeFigureOut">
               <a:rPr lang="en-US" smtClean="0"/>
-              <a:t>2/18/2020</a:t>
+              <a:t>2/9/2022</a:t>
             </a:fld>
             <a:endParaRPr lang="en-US"/>
           </a:p>
@@ -3047,7 +3047,7 @@
           <a:p>
             <a:fld id="{697E48F7-EB74-4477-B245-F8CECF7C0C00}" type="datetimeFigureOut">
               <a:rPr lang="en-US" smtClean="0"/>
-              <a:t>2/18/2020</a:t>
+              <a:t>2/9/2022</a:t>
             </a:fld>
             <a:endParaRPr lang="en-US"/>
           </a:p>
@@ -3142,7 +3142,7 @@
           <a:p>
             <a:fld id="{697E48F7-EB74-4477-B245-F8CECF7C0C00}" type="datetimeFigureOut">
               <a:rPr lang="en-US" smtClean="0"/>
-              <a:t>2/18/2020</a:t>
+              <a:t>2/9/2022</a:t>
             </a:fld>
             <a:endParaRPr lang="en-US"/>
           </a:p>
@@ -3442,7 +3442,7 @@
           <a:p>
             <a:fld id="{697E48F7-EB74-4477-B245-F8CECF7C0C00}" type="datetimeFigureOut">
               <a:rPr lang="en-US" smtClean="0"/>
-              <a:t>2/18/2020</a:t>
+              <a:t>2/9/2022</a:t>
             </a:fld>
             <a:endParaRPr lang="en-US"/>
           </a:p>
@@ -3707,7 +3707,7 @@
           <a:p>
             <a:fld id="{697E48F7-EB74-4477-B245-F8CECF7C0C00}" type="datetimeFigureOut">
               <a:rPr lang="en-US" smtClean="0"/>
-              <a:t>2/18/2020</a:t>
+              <a:t>2/9/2022</a:t>
             </a:fld>
             <a:endParaRPr lang="en-US"/>
           </a:p>
@@ -4125,7 +4125,7 @@
           <a:p>
             <a:fld id="{697E48F7-EB74-4477-B245-F8CECF7C0C00}" type="datetimeFigureOut">
               <a:rPr lang="en-US" smtClean="0"/>
-              <a:t>2/18/2020</a:t>
+              <a:t>2/9/2022</a:t>
             </a:fld>
             <a:endParaRPr lang="en-US"/>
           </a:p>
@@ -4579,7 +4579,7 @@
       </a:lvl9pPr>
     </p:otherStyle>
   </p:txStyles>
-  <p:extLst mod="1">
+  <p:extLst>
     <p:ext uri="{27BBF7A9-308A-43DC-89C8-2F10F3537804}">
       <p15:sldGuideLst xmlns:p15="http://schemas.microsoft.com/office/powerpoint/2012/main">
         <p15:guide id="1" pos="2832">
@@ -4741,7 +4741,14 @@
             </a:br>
             <a:r>
               <a:rPr lang="en-US" sz="6000" dirty="0"/>
-              <a:t>Introduction to Data Analysis w/ Python</a:t>
+              <a:t>Data Wrangling</a:t>
+            </a:r>
+            <a:br>
+              <a:rPr lang="en-US" sz="6000" dirty="0"/>
+            </a:br>
+            <a:r>
+              <a:rPr lang="en-US" sz="6000" dirty="0"/>
+              <a:t>w/ Python</a:t>
             </a:r>
           </a:p>
         </p:txBody>

--- a/2022/IntroPython_TipsForSuccess.pptx
+++ b/2022/IntroPython_TipsForSuccess.pptx
@@ -241,7 +241,7 @@
           <a:p>
             <a:fld id="{A5E0BFC4-8313-4166-9F8C-AEF6252D3F15}" type="datetimeFigureOut">
               <a:rPr lang="en-US" smtClean="0"/>
-              <a:t>2/9/2022</a:t>
+              <a:t>2/16/2022</a:t>
             </a:fld>
             <a:endParaRPr lang="en-US"/>
           </a:p>
@@ -875,7 +875,7 @@
           <a:p>
             <a:fld id="{697E48F7-EB74-4477-B245-F8CECF7C0C00}" type="datetimeFigureOut">
               <a:rPr lang="en-US" smtClean="0"/>
-              <a:t>2/9/2022</a:t>
+              <a:t>2/16/2022</a:t>
             </a:fld>
             <a:endParaRPr lang="en-US"/>
           </a:p>
@@ -1122,7 +1122,7 @@
           <a:p>
             <a:fld id="{697E48F7-EB74-4477-B245-F8CECF7C0C00}" type="datetimeFigureOut">
               <a:rPr lang="en-US" smtClean="0"/>
-              <a:t>2/9/2022</a:t>
+              <a:t>2/16/2022</a:t>
             </a:fld>
             <a:endParaRPr lang="en-US"/>
           </a:p>
@@ -1508,7 +1508,7 @@
           <a:p>
             <a:fld id="{697E48F7-EB74-4477-B245-F8CECF7C0C00}" type="datetimeFigureOut">
               <a:rPr lang="en-US" smtClean="0"/>
-              <a:t>2/9/2022</a:t>
+              <a:t>2/16/2022</a:t>
             </a:fld>
             <a:endParaRPr lang="en-US"/>
           </a:p>
@@ -1737,7 +1737,7 @@
           <a:p>
             <a:fld id="{697E48F7-EB74-4477-B245-F8CECF7C0C00}" type="datetimeFigureOut">
               <a:rPr lang="en-US" smtClean="0"/>
-              <a:t>2/9/2022</a:t>
+              <a:t>2/16/2022</a:t>
             </a:fld>
             <a:endParaRPr lang="en-US"/>
           </a:p>
@@ -2228,7 +2228,7 @@
           <a:p>
             <a:fld id="{697E48F7-EB74-4477-B245-F8CECF7C0C00}" type="datetimeFigureOut">
               <a:rPr lang="en-US" smtClean="0"/>
-              <a:t>2/9/2022</a:t>
+              <a:t>2/16/2022</a:t>
             </a:fld>
             <a:endParaRPr lang="en-US"/>
           </a:p>
@@ -2538,7 +2538,7 @@
           <a:p>
             <a:fld id="{697E48F7-EB74-4477-B245-F8CECF7C0C00}" type="datetimeFigureOut">
               <a:rPr lang="en-US" smtClean="0"/>
-              <a:t>2/9/2022</a:t>
+              <a:t>2/16/2022</a:t>
             </a:fld>
             <a:endParaRPr lang="en-US"/>
           </a:p>
@@ -2929,7 +2929,7 @@
           <a:p>
             <a:fld id="{697E48F7-EB74-4477-B245-F8CECF7C0C00}" type="datetimeFigureOut">
               <a:rPr lang="en-US" smtClean="0"/>
-              <a:t>2/9/2022</a:t>
+              <a:t>2/16/2022</a:t>
             </a:fld>
             <a:endParaRPr lang="en-US"/>
           </a:p>
@@ -3047,7 +3047,7 @@
           <a:p>
             <a:fld id="{697E48F7-EB74-4477-B245-F8CECF7C0C00}" type="datetimeFigureOut">
               <a:rPr lang="en-US" smtClean="0"/>
-              <a:t>2/9/2022</a:t>
+              <a:t>2/16/2022</a:t>
             </a:fld>
             <a:endParaRPr lang="en-US"/>
           </a:p>
@@ -3142,7 +3142,7 @@
           <a:p>
             <a:fld id="{697E48F7-EB74-4477-B245-F8CECF7C0C00}" type="datetimeFigureOut">
               <a:rPr lang="en-US" smtClean="0"/>
-              <a:t>2/9/2022</a:t>
+              <a:t>2/16/2022</a:t>
             </a:fld>
             <a:endParaRPr lang="en-US"/>
           </a:p>
@@ -3442,7 +3442,7 @@
           <a:p>
             <a:fld id="{697E48F7-EB74-4477-B245-F8CECF7C0C00}" type="datetimeFigureOut">
               <a:rPr lang="en-US" smtClean="0"/>
-              <a:t>2/9/2022</a:t>
+              <a:t>2/16/2022</a:t>
             </a:fld>
             <a:endParaRPr lang="en-US"/>
           </a:p>
@@ -3707,7 +3707,7 @@
           <a:p>
             <a:fld id="{697E48F7-EB74-4477-B245-F8CECF7C0C00}" type="datetimeFigureOut">
               <a:rPr lang="en-US" smtClean="0"/>
-              <a:t>2/9/2022</a:t>
+              <a:t>2/16/2022</a:t>
             </a:fld>
             <a:endParaRPr lang="en-US"/>
           </a:p>
@@ -4125,7 +4125,7 @@
           <a:p>
             <a:fld id="{697E48F7-EB74-4477-B245-F8CECF7C0C00}" type="datetimeFigureOut">
               <a:rPr lang="en-US" smtClean="0"/>
-              <a:t>2/9/2022</a:t>
+              <a:t>2/16/2022</a:t>
             </a:fld>
             <a:endParaRPr lang="en-US"/>
           </a:p>
@@ -11591,7 +11591,7 @@
             <a:pPr lvl="1"/>
             <a:r>
               <a:rPr lang="en-US" dirty="0"/>
-              <a:t>A fast, powerful, flexible and easy to use open source data analysis and manipulation tool.</a:t>
+              <a:t>A fast, powerful, flexible and easy to use open-source data analysis and manipulation tool.</a:t>
             </a:r>
           </a:p>
           <a:p>
